--- a/QuickGuide_Install_NUCAPS_SHARPpy.pptx
+++ b/QuickGuide_Install_NUCAPS_SHARPpy.pptx
@@ -11786,7 +11786,7 @@
                 <a:cs typeface="Calibri"/>
                 <a:sym typeface="Calibri"/>
               </a:rPr>
-              <a:t>Install the NUCAPS test branch in SHARPpy</a:t>
+              <a:t>Install the Baseline Version of SHARPpy</a:t>
             </a:r>
           </a:p>
           <a:p>
@@ -11805,7 +11805,7 @@
                 <a:cs typeface="Calibri"/>
                 <a:sym typeface="Calibri"/>
               </a:rPr>
-              <a:t>You can now install the beta version of SHARPpy which contains NUCAPS satellite soundings. Open </a:t>
+              <a:t>You can now install the baseline version of SHARPpy which contains NUCAPS satellite soundings. Open </a:t>
             </a:r>
             <a:r>
               <a:rPr lang="en-US" sz="1200" dirty="0">
@@ -11844,7 +11844,7 @@
                 <a:cs typeface="Consolas" panose="020B0609020204030204" pitchFamily="49" charset="0"/>
                 <a:sym typeface="Calibri"/>
               </a:rPr>
-              <a:t>	&gt; git clone https://github.com/Jeff-Szkodzinski/SHARPpy.git </a:t>
+              <a:t>	&gt; git clone https://github.com/sharppy/SHARPpy.git </a:t>
             </a:r>
           </a:p>
           <a:p>
@@ -12372,7 +12372,7 @@
                 <a:cs typeface="Calibri"/>
                 <a:sym typeface="Calibri"/>
               </a:rPr>
-              <a:t>to apply our NUCAPS updates to SHARPpy.</a:t>
+              <a:t>to compile SHARPpy.</a:t>
             </a:r>
           </a:p>
           <a:p>
@@ -13453,21 +13453,21 @@
 </file>
 
 <file path=customXml/item2.xml><?xml version="1.0" encoding="utf-8"?>
+<p:properties xmlns:p="http://schemas.microsoft.com/office/2006/metadata/properties" xmlns:xsi="http://www.w3.org/2001/XMLSchema-instance" xmlns:pc="http://schemas.microsoft.com/office/infopath/2007/PartnerControls">
+  <documentManagement>
+    <_ip_UnifiedCompliancePolicyUIAction xmlns="http://schemas.microsoft.com/sharepoint/v3" xsi:nil="true"/>
+    <_ip_UnifiedCompliancePolicyProperties xmlns="http://schemas.microsoft.com/sharepoint/v3" xsi:nil="true"/>
+  </documentManagement>
+</p:properties>
+</file>
+
+<file path=customXml/item3.xml><?xml version="1.0" encoding="utf-8"?>
 <?mso-contentType ?>
 <FormTemplates xmlns="http://schemas.microsoft.com/sharepoint/v3/contenttype/forms">
   <Display>DocumentLibraryForm</Display>
   <Edit>DocumentLibraryForm</Edit>
   <New>DocumentLibraryForm</New>
 </FormTemplates>
-</file>
-
-<file path=customXml/item3.xml><?xml version="1.0" encoding="utf-8"?>
-<p:properties xmlns:p="http://schemas.microsoft.com/office/2006/metadata/properties" xmlns:xsi="http://www.w3.org/2001/XMLSchema-instance" xmlns:pc="http://schemas.microsoft.com/office/infopath/2007/PartnerControls">
-  <documentManagement>
-    <_ip_UnifiedCompliancePolicyUIAction xmlns="http://schemas.microsoft.com/sharepoint/v3" xsi:nil="true"/>
-    <_ip_UnifiedCompliancePolicyProperties xmlns="http://schemas.microsoft.com/sharepoint/v3" xsi:nil="true"/>
-  </documentManagement>
-</p:properties>
 </file>
 
 <file path=customXml/itemProps1.xml><?xml version="1.0" encoding="utf-8"?>
@@ -13491,14 +13491,6 @@
 </file>
 
 <file path=customXml/itemProps2.xml><?xml version="1.0" encoding="utf-8"?>
-<ds:datastoreItem xmlns:ds="http://schemas.openxmlformats.org/officeDocument/2006/customXml" ds:itemID="{EBBE673F-0D40-4DBE-AC00-AC43ECBBEA3A}">
-  <ds:schemaRefs>
-    <ds:schemaRef ds:uri="http://schemas.microsoft.com/sharepoint/v3/contenttype/forms"/>
-  </ds:schemaRefs>
-</ds:datastoreItem>
-</file>
-
-<file path=customXml/itemProps3.xml><?xml version="1.0" encoding="utf-8"?>
 <ds:datastoreItem xmlns:ds="http://schemas.openxmlformats.org/officeDocument/2006/customXml" ds:itemID="{5B4702F2-4CCD-4679-93EE-DC462A31CD3C}">
   <ds:schemaRefs>
     <ds:schemaRef ds:uri="http://purl.org/dc/terms/"/>
@@ -13514,4 +13506,12 @@
     <ds:schemaRef ds:uri="http://schemas.microsoft.com/sharepoint/v3"/>
   </ds:schemaRefs>
 </ds:datastoreItem>
+</file>
+
+<file path=customXml/itemProps3.xml><?xml version="1.0" encoding="utf-8"?>
+<ds:datastoreItem xmlns:ds="http://schemas.openxmlformats.org/officeDocument/2006/customXml" ds:itemID="{EBBE673F-0D40-4DBE-AC00-AC43ECBBEA3A}">
+  <ds:schemaRefs>
+    <ds:schemaRef ds:uri="http://schemas.microsoft.com/sharepoint/v3/contenttype/forms"/>
+  </ds:schemaRefs>
+</ds:datastoreItem>
 </file>